--- a/slides/EASA_FAA_2016/SPARK_in_Certification.pptx
+++ b/slides/EASA_FAA_2016/SPARK_in_Certification.pptx
@@ -255,7 +255,7 @@
           <a:p>
             <a:fld id="{51FF625C-7176-D94C-95B2-C151D607224F}" type="datetimeFigureOut">
               <a:rPr lang="en-US" smtClean="0"/>
-              <a:t>10/12/16</a:t>
+              <a:t>10/21/16</a:t>
             </a:fld>
             <a:endParaRPr lang="en-US"/>
           </a:p>
@@ -3065,7 +3065,7 @@
           <a:p>
             <a:fld id="{E10C3859-7C27-1F4B-99F8-E55653012AFD}" type="datetimeFigureOut">
               <a:rPr lang="en-US" smtClean="0"/>
-              <a:t>10/10/16</a:t>
+              <a:t>10/21/16</a:t>
             </a:fld>
             <a:endParaRPr lang="en-US"/>
           </a:p>
@@ -3235,7 +3235,7 @@
           <a:p>
             <a:fld id="{E10C3859-7C27-1F4B-99F8-E55653012AFD}" type="datetimeFigureOut">
               <a:rPr lang="en-US" smtClean="0"/>
-              <a:t>10/10/16</a:t>
+              <a:t>10/21/16</a:t>
             </a:fld>
             <a:endParaRPr lang="en-US"/>
           </a:p>
@@ -3415,7 +3415,7 @@
           <a:p>
             <a:fld id="{E10C3859-7C27-1F4B-99F8-E55653012AFD}" type="datetimeFigureOut">
               <a:rPr lang="en-US" smtClean="0"/>
-              <a:t>10/10/16</a:t>
+              <a:t>10/21/16</a:t>
             </a:fld>
             <a:endParaRPr lang="en-US"/>
           </a:p>
@@ -3585,7 +3585,7 @@
           <a:p>
             <a:fld id="{E10C3859-7C27-1F4B-99F8-E55653012AFD}" type="datetimeFigureOut">
               <a:rPr lang="en-US" smtClean="0"/>
-              <a:t>10/10/16</a:t>
+              <a:t>10/21/16</a:t>
             </a:fld>
             <a:endParaRPr lang="en-US"/>
           </a:p>
@@ -3831,7 +3831,7 @@
           <a:p>
             <a:fld id="{E10C3859-7C27-1F4B-99F8-E55653012AFD}" type="datetimeFigureOut">
               <a:rPr lang="en-US" smtClean="0"/>
-              <a:t>10/10/16</a:t>
+              <a:t>10/21/16</a:t>
             </a:fld>
             <a:endParaRPr lang="en-US"/>
           </a:p>
@@ -4063,7 +4063,7 @@
           <a:p>
             <a:fld id="{E10C3859-7C27-1F4B-99F8-E55653012AFD}" type="datetimeFigureOut">
               <a:rPr lang="en-US" smtClean="0"/>
-              <a:t>10/10/16</a:t>
+              <a:t>10/21/16</a:t>
             </a:fld>
             <a:endParaRPr lang="en-US"/>
           </a:p>
@@ -4430,7 +4430,7 @@
           <a:p>
             <a:fld id="{E10C3859-7C27-1F4B-99F8-E55653012AFD}" type="datetimeFigureOut">
               <a:rPr lang="en-US" smtClean="0"/>
-              <a:t>10/10/16</a:t>
+              <a:t>10/21/16</a:t>
             </a:fld>
             <a:endParaRPr lang="en-US"/>
           </a:p>
@@ -4548,7 +4548,7 @@
           <a:p>
             <a:fld id="{E10C3859-7C27-1F4B-99F8-E55653012AFD}" type="datetimeFigureOut">
               <a:rPr lang="en-US" smtClean="0"/>
-              <a:t>10/10/16</a:t>
+              <a:t>10/21/16</a:t>
             </a:fld>
             <a:endParaRPr lang="en-US"/>
           </a:p>
@@ -4643,7 +4643,7 @@
           <a:p>
             <a:fld id="{E10C3859-7C27-1F4B-99F8-E55653012AFD}" type="datetimeFigureOut">
               <a:rPr lang="en-US" smtClean="0"/>
-              <a:t>10/10/16</a:t>
+              <a:t>10/21/16</a:t>
             </a:fld>
             <a:endParaRPr lang="en-US"/>
           </a:p>
@@ -4920,7 +4920,7 @@
           <a:p>
             <a:fld id="{E10C3859-7C27-1F4B-99F8-E55653012AFD}" type="datetimeFigureOut">
               <a:rPr lang="en-US" smtClean="0"/>
-              <a:t>10/10/16</a:t>
+              <a:t>10/21/16</a:t>
             </a:fld>
             <a:endParaRPr lang="en-US"/>
           </a:p>
@@ -5173,7 +5173,7 @@
           <a:p>
             <a:fld id="{E10C3859-7C27-1F4B-99F8-E55653012AFD}" type="datetimeFigureOut">
               <a:rPr lang="en-US" smtClean="0"/>
-              <a:t>10/10/16</a:t>
+              <a:t>10/21/16</a:t>
             </a:fld>
             <a:endParaRPr lang="en-US"/>
           </a:p>
@@ -5386,7 +5386,7 @@
           <a:p>
             <a:fld id="{E10C3859-7C27-1F4B-99F8-E55653012AFD}" type="datetimeFigureOut">
               <a:rPr lang="en-US" smtClean="0"/>
-              <a:t>10/10/16</a:t>
+              <a:t>10/21/16</a:t>
             </a:fld>
             <a:endParaRPr lang="en-US"/>
           </a:p>
@@ -5854,11 +5854,7 @@
           <a:p>
             <a:r>
               <a:rPr lang="en-US" dirty="0" smtClean="0"/>
-              <a:t>Yannick Moy – </a:t>
-            </a:r>
-            <a:r>
-              <a:rPr lang="en-US" dirty="0" smtClean="0"/>
-              <a:t>SPARK Product Manager – </a:t>
+              <a:t>Yannick Moy – SPARK Product Manager – </a:t>
             </a:r>
             <a:r>
               <a:rPr lang="en-US" dirty="0" err="1" smtClean="0"/>
@@ -8387,11 +8383,7 @@
             </a:pPr>
             <a:r>
               <a:rPr lang="en-US" i="1" dirty="0"/>
-              <a:t>The objective is to ensure that the formal analysis results are correct and that discrepancies between actual and expected results are explained. </a:t>
-            </a:r>
-            <a:r>
-              <a:rPr lang="en-US" i="1" dirty="0"/>
-              <a:t>[</a:t>
+              <a:t>The objective is to ensure that the formal analysis results are correct and that discrepancies between actual and expected results are explained. [</a:t>
             </a:r>
             <a:r>
               <a:rPr lang="en-US" i="1" dirty="0" smtClean="0"/>
@@ -8835,11 +8827,6 @@
               </a:rPr>
               <a:t> for the satisfaction of many of the objectives concerned with development and verification. </a:t>
             </a:r>
-            <a:endParaRPr lang="en-US" sz="3600" b="1" i="1" dirty="0">
-              <a:solidFill>
-                <a:schemeClr val="bg1"/>
-              </a:solidFill>
-            </a:endParaRPr>
           </a:p>
         </p:txBody>
       </p:sp>
@@ -8961,7 +8948,6 @@
               <a:rPr lang="en-US" i="1" dirty="0"/>
               <a:t>DO-333, Figure FM.6-1 Level A Software Verification Processes</a:t>
             </a:r>
-            <a:endParaRPr lang="en-US" i="1" dirty="0"/>
           </a:p>
         </p:txBody>
       </p:sp>
@@ -13940,11 +13926,7 @@
             </a:r>
             <a:r>
               <a:rPr lang="en-US" i="1"/>
-              <a:t>, Figure FM.6-2 Possible Verification </a:t>
-            </a:r>
-            <a:r>
-              <a:rPr lang="en-US" i="1"/>
-              <a:t>Paths </a:t>
+              <a:t>, Figure FM.6-2 Possible Verification Paths </a:t>
             </a:r>
             <a:r>
               <a:rPr lang="en-US" i="1" smtClean="0"/>
@@ -17986,11 +17968,6 @@
               </a:rPr>
               <a:t>guidance required by DO-178 and qualified where necessary. </a:t>
             </a:r>
-            <a:endParaRPr lang="en-US" sz="3200" b="1" i="1" dirty="0">
-              <a:solidFill>
-                <a:schemeClr val="bg1"/>
-              </a:solidFill>
-            </a:endParaRPr>
           </a:p>
         </p:txBody>
       </p:sp>
@@ -18734,14 +18711,14 @@
               </a:rPr>
             </a:br>
             <a:r>
-              <a:rPr kumimoji="0" lang="en-US" sz="1800" b="0" i="0" u="none" strike="noStrike" cap="none" normalizeH="0" baseline="0" dirty="0" err="1" smtClean="0">
+              <a:rPr kumimoji="0" lang="en-US" sz="1800" b="0" i="0" u="none" strike="noStrike" cap="none" normalizeH="0" baseline="0" dirty="0" smtClean="0">
                 <a:solidFill>
                   <a:schemeClr val="tx1"/>
                 </a:solidFill>
                 <a:effectLst/>
                 <a:latin typeface="Arial" charset="0"/>
               </a:rPr>
-              <a:t>Fontend</a:t>
+              <a:t>Frontend</a:t>
             </a:r>
             <a:endParaRPr kumimoji="0" lang="fr-FR" sz="1800" b="0" i="0" u="none" strike="noStrike" cap="none" normalizeH="0" baseline="0" dirty="0">
               <a:solidFill>
@@ -21441,8 +21418,8 @@
         </p:nvSpPr>
         <p:spPr>
           <a:xfrm>
-            <a:off x="2493654" y="4822835"/>
-            <a:ext cx="1369286" cy="1077218"/>
+            <a:off x="2597849" y="4822835"/>
+            <a:ext cx="1160895" cy="1077218"/>
           </a:xfrm>
           <a:prstGeom prst="rect">
             <a:avLst/>
@@ -21463,14 +21440,15 @@
             <a:pPr algn="ctr"/>
             <a:r>
               <a:rPr lang="en-US" sz="3200" dirty="0" smtClean="0"/>
-              <a:t>1995</a:t>
-            </a:r>
+              <a:t>1997</a:t>
+            </a:r>
+            <a:endParaRPr lang="en-US" sz="3200" dirty="0" smtClean="0"/>
           </a:p>
           <a:p>
             <a:pPr algn="ctr"/>
             <a:r>
               <a:rPr lang="en-US" sz="3200" dirty="0" smtClean="0"/>
-              <a:t>SHOLIS</a:t>
+              <a:t>C130J</a:t>
             </a:r>
             <a:endParaRPr lang="en-US" sz="3200" dirty="0"/>
           </a:p>
@@ -21818,14 +21796,14 @@
             <p:ph idx="1"/>
             <p:extLst>
               <p:ext uri="{D42A27DB-BD31-4B8C-83A1-F6EECF244321}">
-                <p14:modId xmlns:p14="http://schemas.microsoft.com/office/powerpoint/2010/main" val="1398439101"/>
+                <p14:modId xmlns:p14="http://schemas.microsoft.com/office/powerpoint/2010/main" val="1412605598"/>
               </p:ext>
             </p:extLst>
           </p:nvPr>
         </p:nvGraphicFramePr>
         <p:xfrm>
           <a:off x="838200" y="1825625"/>
-          <a:ext cx="10515600" cy="3627120"/>
+          <a:ext cx="10515600" cy="4145280"/>
         </p:xfrm>
         <a:graphic>
           <a:graphicData uri="http://schemas.openxmlformats.org/drawingml/2006/table">
@@ -21912,6 +21890,50 @@
                       <a:r>
                         <a:rPr lang="en-US" sz="2800" dirty="0" smtClean="0"/>
                         <a:t>Hoare (logic)</a:t>
+                      </a:r>
+                      <a:endParaRPr lang="en-US" sz="2800" dirty="0"/>
+                    </a:p>
+                  </a:txBody>
+                  <a:tcPr/>
+                </a:tc>
+                <a:tc>
+                  <a:txBody>
+                    <a:bodyPr/>
+                    <a:lstStyle/>
+                    <a:p>
+                      <a:r>
+                        <a:rPr lang="en-US" sz="2800" dirty="0" smtClean="0"/>
+                        <a:t>logic</a:t>
+                      </a:r>
+                      <a:endParaRPr lang="en-US" sz="2800" dirty="0"/>
+                    </a:p>
+                  </a:txBody>
+                  <a:tcPr/>
+                </a:tc>
+              </a:tr>
+              <a:tr h="370840">
+                <a:tc>
+                  <a:txBody>
+                    <a:bodyPr/>
+                    <a:lstStyle/>
+                    <a:p>
+                      <a:r>
+                        <a:rPr lang="en-US" sz="2800" dirty="0" smtClean="0"/>
+                        <a:t>1987</a:t>
+                      </a:r>
+                      <a:endParaRPr lang="en-US" sz="2800" dirty="0"/>
+                    </a:p>
+                  </a:txBody>
+                  <a:tcPr/>
+                </a:tc>
+                <a:tc>
+                  <a:txBody>
+                    <a:bodyPr/>
+                    <a:lstStyle/>
+                    <a:p>
+                      <a:r>
+                        <a:rPr lang="en-US" sz="2800" dirty="0" smtClean="0"/>
+                        <a:t>SPARK 83 (PVL)</a:t>
                       </a:r>
                       <a:endParaRPr lang="en-US" sz="2800" dirty="0"/>
                     </a:p>

--- a/slides/EASA_FAA_2016/SPARK_in_Certification.pptx
+++ b/slides/EASA_FAA_2016/SPARK_in_Certification.pptx
@@ -255,7 +255,7 @@
           <a:p>
             <a:fld id="{51FF625C-7176-D94C-95B2-C151D607224F}" type="datetimeFigureOut">
               <a:rPr lang="en-US" smtClean="0"/>
-              <a:t>10/21/16</a:t>
+              <a:t>10/25/16</a:t>
             </a:fld>
             <a:endParaRPr lang="en-US"/>
           </a:p>
@@ -3065,7 +3065,7 @@
           <a:p>
             <a:fld id="{E10C3859-7C27-1F4B-99F8-E55653012AFD}" type="datetimeFigureOut">
               <a:rPr lang="en-US" smtClean="0"/>
-              <a:t>10/21/16</a:t>
+              <a:t>10/25/16</a:t>
             </a:fld>
             <a:endParaRPr lang="en-US"/>
           </a:p>
@@ -3235,7 +3235,7 @@
           <a:p>
             <a:fld id="{E10C3859-7C27-1F4B-99F8-E55653012AFD}" type="datetimeFigureOut">
               <a:rPr lang="en-US" smtClean="0"/>
-              <a:t>10/21/16</a:t>
+              <a:t>10/25/16</a:t>
             </a:fld>
             <a:endParaRPr lang="en-US"/>
           </a:p>
@@ -3415,7 +3415,7 @@
           <a:p>
             <a:fld id="{E10C3859-7C27-1F4B-99F8-E55653012AFD}" type="datetimeFigureOut">
               <a:rPr lang="en-US" smtClean="0"/>
-              <a:t>10/21/16</a:t>
+              <a:t>10/25/16</a:t>
             </a:fld>
             <a:endParaRPr lang="en-US"/>
           </a:p>
@@ -3585,7 +3585,7 @@
           <a:p>
             <a:fld id="{E10C3859-7C27-1F4B-99F8-E55653012AFD}" type="datetimeFigureOut">
               <a:rPr lang="en-US" smtClean="0"/>
-              <a:t>10/21/16</a:t>
+              <a:t>10/25/16</a:t>
             </a:fld>
             <a:endParaRPr lang="en-US"/>
           </a:p>
@@ -3831,7 +3831,7 @@
           <a:p>
             <a:fld id="{E10C3859-7C27-1F4B-99F8-E55653012AFD}" type="datetimeFigureOut">
               <a:rPr lang="en-US" smtClean="0"/>
-              <a:t>10/21/16</a:t>
+              <a:t>10/25/16</a:t>
             </a:fld>
             <a:endParaRPr lang="en-US"/>
           </a:p>
@@ -4063,7 +4063,7 @@
           <a:p>
             <a:fld id="{E10C3859-7C27-1F4B-99F8-E55653012AFD}" type="datetimeFigureOut">
               <a:rPr lang="en-US" smtClean="0"/>
-              <a:t>10/21/16</a:t>
+              <a:t>10/25/16</a:t>
             </a:fld>
             <a:endParaRPr lang="en-US"/>
           </a:p>
@@ -4430,7 +4430,7 @@
           <a:p>
             <a:fld id="{E10C3859-7C27-1F4B-99F8-E55653012AFD}" type="datetimeFigureOut">
               <a:rPr lang="en-US" smtClean="0"/>
-              <a:t>10/21/16</a:t>
+              <a:t>10/25/16</a:t>
             </a:fld>
             <a:endParaRPr lang="en-US"/>
           </a:p>
@@ -4548,7 +4548,7 @@
           <a:p>
             <a:fld id="{E10C3859-7C27-1F4B-99F8-E55653012AFD}" type="datetimeFigureOut">
               <a:rPr lang="en-US" smtClean="0"/>
-              <a:t>10/21/16</a:t>
+              <a:t>10/25/16</a:t>
             </a:fld>
             <a:endParaRPr lang="en-US"/>
           </a:p>
@@ -4643,7 +4643,7 @@
           <a:p>
             <a:fld id="{E10C3859-7C27-1F4B-99F8-E55653012AFD}" type="datetimeFigureOut">
               <a:rPr lang="en-US" smtClean="0"/>
-              <a:t>10/21/16</a:t>
+              <a:t>10/25/16</a:t>
             </a:fld>
             <a:endParaRPr lang="en-US"/>
           </a:p>
@@ -4920,7 +4920,7 @@
           <a:p>
             <a:fld id="{E10C3859-7C27-1F4B-99F8-E55653012AFD}" type="datetimeFigureOut">
               <a:rPr lang="en-US" smtClean="0"/>
-              <a:t>10/21/16</a:t>
+              <a:t>10/25/16</a:t>
             </a:fld>
             <a:endParaRPr lang="en-US"/>
           </a:p>
@@ -5173,7 +5173,7 @@
           <a:p>
             <a:fld id="{E10C3859-7C27-1F4B-99F8-E55653012AFD}" type="datetimeFigureOut">
               <a:rPr lang="en-US" smtClean="0"/>
-              <a:t>10/21/16</a:t>
+              <a:t>10/25/16</a:t>
             </a:fld>
             <a:endParaRPr lang="en-US"/>
           </a:p>
@@ -5386,7 +5386,7 @@
           <a:p>
             <a:fld id="{E10C3859-7C27-1F4B-99F8-E55653012AFD}" type="datetimeFigureOut">
               <a:rPr lang="en-US" smtClean="0"/>
-              <a:t>10/21/16</a:t>
+              <a:t>10/25/16</a:t>
             </a:fld>
             <a:endParaRPr lang="en-US"/>
           </a:p>
@@ -10440,7 +10440,11 @@
           <a:p>
             <a:r>
               <a:rPr lang="en-US" dirty="0" smtClean="0"/>
-              <a:t>Formals Methods Landscape</a:t>
+              <a:t>Formal </a:t>
+            </a:r>
+            <a:r>
+              <a:rPr lang="en-US" dirty="0" smtClean="0"/>
+              <a:t>Methods Landscape</a:t>
             </a:r>
             <a:endParaRPr lang="en-US" dirty="0"/>
           </a:p>
@@ -12943,7 +12947,11 @@
           <a:p>
             <a:r>
               <a:rPr lang="en-US" dirty="0" smtClean="0"/>
-              <a:t>Formals Methods Landscape</a:t>
+              <a:t>Formal </a:t>
+            </a:r>
+            <a:r>
+              <a:rPr lang="en-US" dirty="0" smtClean="0"/>
+              <a:t>Methods Landscape</a:t>
             </a:r>
             <a:endParaRPr lang="en-US" dirty="0"/>
           </a:p>
@@ -16212,7 +16220,7 @@
         <p:spPr/>
         <p:txBody>
           <a:bodyPr>
-            <a:normAutofit lnSpcReduction="10000"/>
+            <a:normAutofit/>
           </a:bodyPr>
           <a:lstStyle/>
           <a:p>
@@ -16282,7 +16290,11 @@
             </a:pPr>
             <a:r>
               <a:rPr lang="en-US" dirty="0" smtClean="0"/>
-              <a:t>Three kinds of extraneous code:</a:t>
+              <a:t>Two kinds </a:t>
+            </a:r>
+            <a:r>
+              <a:rPr lang="en-US" dirty="0" smtClean="0"/>
+              <a:t>of extraneous code:</a:t>
             </a:r>
           </a:p>
           <a:p>
@@ -16297,20 +16309,12 @@
               <a:buAutoNum type="arabicPeriod"/>
             </a:pPr>
             <a:r>
-              <a:rPr lang="en-US" dirty="0"/>
+              <a:rPr lang="en-US" dirty="0" smtClean="0"/>
               <a:t>“</a:t>
             </a:r>
             <a:r>
               <a:rPr lang="en-US" dirty="0" smtClean="0"/>
-              <a:t>deactivated </a:t>
-            </a:r>
-            <a:r>
-              <a:rPr lang="en-US" dirty="0"/>
-              <a:t>code” is </a:t>
-            </a:r>
-            <a:r>
-              <a:rPr lang="en-US" dirty="0" smtClean="0"/>
-              <a:t>unreachable in current configuration</a:t>
+              <a:t>dead code” is present by error and unreachable</a:t>
             </a:r>
           </a:p>
           <a:p>
@@ -16326,7 +16330,7 @@
             </a:pPr>
             <a:r>
               <a:rPr lang="en-US" dirty="0" smtClean="0"/>
-              <a:t>“dead code” is present by error and unreachable</a:t>
+              <a:t>“unintended functionality” can be executed</a:t>
             </a:r>
           </a:p>
           <a:p>
@@ -16340,22 +16344,6 @@
               <a:buFont typeface="+mj-lt"/>
               <a:buAutoNum type="arabicPeriod"/>
             </a:pPr>
-            <a:r>
-              <a:rPr lang="en-US" dirty="0" smtClean="0"/>
-              <a:t>“unintended functionality” can be executed</a:t>
-            </a:r>
-          </a:p>
-          <a:p>
-            <a:pPr marL="971550" lvl="1" indent="-514350">
-              <a:lnSpc>
-                <a:spcPct val="100000"/>
-              </a:lnSpc>
-              <a:spcBef>
-                <a:spcPts val="0"/>
-              </a:spcBef>
-              <a:buFont typeface="+mj-lt"/>
-              <a:buAutoNum type="arabicPeriod"/>
-            </a:pPr>
             <a:endParaRPr lang="en-US" dirty="0"/>
           </a:p>
           <a:p>
@@ -16370,8 +16358,13 @@
             </a:pPr>
             <a:r>
               <a:rPr lang="en-US" dirty="0" smtClean="0"/>
-              <a:t>No problems with (1) and (2)</a:t>
-            </a:r>
+              <a:t>No problems with (1</a:t>
+            </a:r>
+            <a:r>
+              <a:rPr lang="en-US" dirty="0" smtClean="0"/>
+              <a:t>)</a:t>
+            </a:r>
+            <a:endParaRPr lang="en-US" dirty="0" smtClean="0"/>
           </a:p>
           <a:p>
             <a:pPr marL="0" indent="0">
@@ -16397,7 +16390,15 @@
             </a:pPr>
             <a:r>
               <a:rPr lang="en-US" dirty="0" smtClean="0"/>
-              <a:t>For (3) review can complete </a:t>
+              <a:t>For </a:t>
+            </a:r>
+            <a:r>
+              <a:rPr lang="en-US" dirty="0" smtClean="0"/>
+              <a:t>(2) </a:t>
+            </a:r>
+            <a:r>
+              <a:rPr lang="en-US" dirty="0" smtClean="0"/>
+              <a:t>review can complete </a:t>
             </a:r>
             <a:r>
               <a:rPr lang="en-US" dirty="0"/>
@@ -21442,7 +21443,6 @@
               <a:rPr lang="en-US" sz="3200" dirty="0" smtClean="0"/>
               <a:t>1997</a:t>
             </a:r>
-            <a:endParaRPr lang="en-US" sz="3200" dirty="0" smtClean="0"/>
           </a:p>
           <a:p>
             <a:pPr algn="ctr"/>

--- a/slides/EASA_FAA_2016/SPARK_in_Certification.pptx
+++ b/slides/EASA_FAA_2016/SPARK_in_Certification.pptx
@@ -10440,11 +10440,7 @@
           <a:p>
             <a:r>
               <a:rPr lang="en-US" dirty="0" smtClean="0"/>
-              <a:t>Formal </a:t>
-            </a:r>
-            <a:r>
-              <a:rPr lang="en-US" dirty="0" smtClean="0"/>
-              <a:t>Methods Landscape</a:t>
+              <a:t>Formal Methods Landscape</a:t>
             </a:r>
             <a:endParaRPr lang="en-US" dirty="0"/>
           </a:p>
@@ -12947,11 +12943,7 @@
           <a:p>
             <a:r>
               <a:rPr lang="en-US" dirty="0" smtClean="0"/>
-              <a:t>Formal </a:t>
-            </a:r>
-            <a:r>
-              <a:rPr lang="en-US" dirty="0" smtClean="0"/>
-              <a:t>Methods Landscape</a:t>
+              <a:t>Formal Methods Landscape</a:t>
             </a:r>
             <a:endParaRPr lang="en-US" dirty="0"/>
           </a:p>
@@ -15489,8 +15481,13 @@
             </a:pPr>
             <a:r>
               <a:rPr lang="en-US" dirty="0" smtClean="0"/>
-              <a:t>Demonstrate absence of unintended dependencies between inputs and outputs</a:t>
-            </a:r>
+              <a:t>Demonstrate absence of unintended dependencies between inputs and </a:t>
+            </a:r>
+            <a:r>
+              <a:rPr lang="en-US" dirty="0" smtClean="0"/>
+              <a:t>outputs (whether specified inputs/outputs or not)</a:t>
+            </a:r>
+            <a:endParaRPr lang="en-US" dirty="0" smtClean="0"/>
           </a:p>
           <a:p>
             <a:pPr marL="0" marR="0" lvl="0" indent="0" defTabSz="914400" eaLnBrk="1" fontAlgn="auto" latinLnBrk="0" hangingPunct="1">
@@ -16290,11 +16287,7 @@
             </a:pPr>
             <a:r>
               <a:rPr lang="en-US" dirty="0" smtClean="0"/>
-              <a:t>Two kinds </a:t>
-            </a:r>
-            <a:r>
-              <a:rPr lang="en-US" dirty="0" smtClean="0"/>
-              <a:t>of extraneous code:</a:t>
+              <a:t>Two kinds of extraneous code:</a:t>
             </a:r>
           </a:p>
           <a:p>
@@ -16310,11 +16303,7 @@
             </a:pPr>
             <a:r>
               <a:rPr lang="en-US" dirty="0" smtClean="0"/>
-              <a:t>“</a:t>
-            </a:r>
-            <a:r>
-              <a:rPr lang="en-US" dirty="0" smtClean="0"/>
-              <a:t>dead code” is present by error and unreachable</a:t>
+              <a:t>“dead code” is present by error and unreachable</a:t>
             </a:r>
           </a:p>
           <a:p>
@@ -16358,13 +16347,8 @@
             </a:pPr>
             <a:r>
               <a:rPr lang="en-US" dirty="0" smtClean="0"/>
-              <a:t>No problems with (1</a:t>
-            </a:r>
-            <a:r>
-              <a:rPr lang="en-US" dirty="0" smtClean="0"/>
-              <a:t>)</a:t>
-            </a:r>
-            <a:endParaRPr lang="en-US" dirty="0" smtClean="0"/>
+              <a:t>No problems with (1)</a:t>
+            </a:r>
           </a:p>
           <a:p>
             <a:pPr marL="0" indent="0">
@@ -16390,15 +16374,7 @@
             </a:pPr>
             <a:r>
               <a:rPr lang="en-US" dirty="0" smtClean="0"/>
-              <a:t>For </a:t>
-            </a:r>
-            <a:r>
-              <a:rPr lang="en-US" dirty="0" smtClean="0"/>
-              <a:t>(2) </a:t>
-            </a:r>
-            <a:r>
-              <a:rPr lang="en-US" dirty="0" smtClean="0"/>
-              <a:t>review can complete </a:t>
+              <a:t>For (2) review can complete </a:t>
             </a:r>
             <a:r>
               <a:rPr lang="en-US" dirty="0"/>

--- a/slides/EASA_FAA_2016/SPARK_in_Certification.pptx
+++ b/slides/EASA_FAA_2016/SPARK_in_Certification.pptx
@@ -255,7 +255,7 @@
           <a:p>
             <a:fld id="{51FF625C-7176-D94C-95B2-C151D607224F}" type="datetimeFigureOut">
               <a:rPr lang="en-US" smtClean="0"/>
-              <a:t>10/25/16</a:t>
+              <a:t>11/3/16</a:t>
             </a:fld>
             <a:endParaRPr lang="en-US"/>
           </a:p>
@@ -3065,7 +3065,7 @@
           <a:p>
             <a:fld id="{E10C3859-7C27-1F4B-99F8-E55653012AFD}" type="datetimeFigureOut">
               <a:rPr lang="en-US" smtClean="0"/>
-              <a:t>10/25/16</a:t>
+              <a:t>11/3/16</a:t>
             </a:fld>
             <a:endParaRPr lang="en-US"/>
           </a:p>
@@ -3235,7 +3235,7 @@
           <a:p>
             <a:fld id="{E10C3859-7C27-1F4B-99F8-E55653012AFD}" type="datetimeFigureOut">
               <a:rPr lang="en-US" smtClean="0"/>
-              <a:t>10/25/16</a:t>
+              <a:t>11/3/16</a:t>
             </a:fld>
             <a:endParaRPr lang="en-US"/>
           </a:p>
@@ -3415,7 +3415,7 @@
           <a:p>
             <a:fld id="{E10C3859-7C27-1F4B-99F8-E55653012AFD}" type="datetimeFigureOut">
               <a:rPr lang="en-US" smtClean="0"/>
-              <a:t>10/25/16</a:t>
+              <a:t>11/3/16</a:t>
             </a:fld>
             <a:endParaRPr lang="en-US"/>
           </a:p>
@@ -3585,7 +3585,7 @@
           <a:p>
             <a:fld id="{E10C3859-7C27-1F4B-99F8-E55653012AFD}" type="datetimeFigureOut">
               <a:rPr lang="en-US" smtClean="0"/>
-              <a:t>10/25/16</a:t>
+              <a:t>11/3/16</a:t>
             </a:fld>
             <a:endParaRPr lang="en-US"/>
           </a:p>
@@ -3831,7 +3831,7 @@
           <a:p>
             <a:fld id="{E10C3859-7C27-1F4B-99F8-E55653012AFD}" type="datetimeFigureOut">
               <a:rPr lang="en-US" smtClean="0"/>
-              <a:t>10/25/16</a:t>
+              <a:t>11/3/16</a:t>
             </a:fld>
             <a:endParaRPr lang="en-US"/>
           </a:p>
@@ -4063,7 +4063,7 @@
           <a:p>
             <a:fld id="{E10C3859-7C27-1F4B-99F8-E55653012AFD}" type="datetimeFigureOut">
               <a:rPr lang="en-US" smtClean="0"/>
-              <a:t>10/25/16</a:t>
+              <a:t>11/3/16</a:t>
             </a:fld>
             <a:endParaRPr lang="en-US"/>
           </a:p>
@@ -4430,7 +4430,7 @@
           <a:p>
             <a:fld id="{E10C3859-7C27-1F4B-99F8-E55653012AFD}" type="datetimeFigureOut">
               <a:rPr lang="en-US" smtClean="0"/>
-              <a:t>10/25/16</a:t>
+              <a:t>11/3/16</a:t>
             </a:fld>
             <a:endParaRPr lang="en-US"/>
           </a:p>
@@ -4548,7 +4548,7 @@
           <a:p>
             <a:fld id="{E10C3859-7C27-1F4B-99F8-E55653012AFD}" type="datetimeFigureOut">
               <a:rPr lang="en-US" smtClean="0"/>
-              <a:t>10/25/16</a:t>
+              <a:t>11/3/16</a:t>
             </a:fld>
             <a:endParaRPr lang="en-US"/>
           </a:p>
@@ -4643,7 +4643,7 @@
           <a:p>
             <a:fld id="{E10C3859-7C27-1F4B-99F8-E55653012AFD}" type="datetimeFigureOut">
               <a:rPr lang="en-US" smtClean="0"/>
-              <a:t>10/25/16</a:t>
+              <a:t>11/3/16</a:t>
             </a:fld>
             <a:endParaRPr lang="en-US"/>
           </a:p>
@@ -4920,7 +4920,7 @@
           <a:p>
             <a:fld id="{E10C3859-7C27-1F4B-99F8-E55653012AFD}" type="datetimeFigureOut">
               <a:rPr lang="en-US" smtClean="0"/>
-              <a:t>10/25/16</a:t>
+              <a:t>11/3/16</a:t>
             </a:fld>
             <a:endParaRPr lang="en-US"/>
           </a:p>
@@ -5173,7 +5173,7 @@
           <a:p>
             <a:fld id="{E10C3859-7C27-1F4B-99F8-E55653012AFD}" type="datetimeFigureOut">
               <a:rPr lang="en-US" smtClean="0"/>
-              <a:t>10/25/16</a:t>
+              <a:t>11/3/16</a:t>
             </a:fld>
             <a:endParaRPr lang="en-US"/>
           </a:p>
@@ -5386,7 +5386,7 @@
           <a:p>
             <a:fld id="{E10C3859-7C27-1F4B-99F8-E55653012AFD}" type="datetimeFigureOut">
               <a:rPr lang="en-US" smtClean="0"/>
-              <a:t>10/25/16</a:t>
+              <a:t>11/3/16</a:t>
             </a:fld>
             <a:endParaRPr lang="en-US"/>
           </a:p>
@@ -5874,6 +5874,13 @@
   <p:clrMapOvr>
     <a:masterClrMapping/>
   </p:clrMapOvr>
+  <p:timing>
+    <p:tnLst>
+      <p:par>
+        <p:cTn id="1" dur="indefinite" restart="never" nodeType="tmRoot"/>
+      </p:par>
+    </p:tnLst>
+  </p:timing>
 </p:sld>
 </file>
 
@@ -6223,6 +6230,13 @@
   <p:clrMapOvr>
     <a:masterClrMapping/>
   </p:clrMapOvr>
+  <p:timing>
+    <p:tnLst>
+      <p:par>
+        <p:cTn id="1" dur="indefinite" restart="never" nodeType="tmRoot"/>
+      </p:par>
+    </p:tnLst>
+  </p:timing>
 </p:sld>
 </file>
 
@@ -6420,6 +6434,13 @@
   <p:clrMapOvr>
     <a:masterClrMapping/>
   </p:clrMapOvr>
+  <p:timing>
+    <p:tnLst>
+      <p:par>
+        <p:cTn id="1" dur="indefinite" restart="never" nodeType="tmRoot"/>
+      </p:par>
+    </p:tnLst>
+  </p:timing>
 </p:sld>
 </file>
 
@@ -6748,6 +6769,13 @@
   <p:clrMapOvr>
     <a:masterClrMapping/>
   </p:clrMapOvr>
+  <p:timing>
+    <p:tnLst>
+      <p:par>
+        <p:cTn id="1" dur="indefinite" restart="never" nodeType="tmRoot"/>
+      </p:par>
+    </p:tnLst>
+  </p:timing>
 </p:sld>
 </file>
 
@@ -7116,6 +7144,13 @@
   <p:clrMapOvr>
     <a:masterClrMapping/>
   </p:clrMapOvr>
+  <p:timing>
+    <p:tnLst>
+      <p:par>
+        <p:cTn id="1" dur="indefinite" restart="never" nodeType="tmRoot"/>
+      </p:par>
+    </p:tnLst>
+  </p:timing>
 </p:sld>
 </file>
 
@@ -7244,6 +7279,13 @@
   <p:clrMapOvr>
     <a:masterClrMapping/>
   </p:clrMapOvr>
+  <p:timing>
+    <p:tnLst>
+      <p:par>
+        <p:cTn id="1" dur="indefinite" restart="never" nodeType="tmRoot"/>
+      </p:par>
+    </p:tnLst>
+  </p:timing>
 </p:sld>
 </file>
 
@@ -7514,6 +7556,13 @@
   <p:clrMapOvr>
     <a:masterClrMapping/>
   </p:clrMapOvr>
+  <p:timing>
+    <p:tnLst>
+      <p:par>
+        <p:cTn id="1" dur="indefinite" restart="never" nodeType="tmRoot"/>
+      </p:par>
+    </p:tnLst>
+  </p:timing>
 </p:sld>
 </file>
 
@@ -7807,6 +7856,13 @@
   <p:clrMapOvr>
     <a:masterClrMapping/>
   </p:clrMapOvr>
+  <p:timing>
+    <p:tnLst>
+      <p:par>
+        <p:cTn id="1" dur="indefinite" restart="never" nodeType="tmRoot"/>
+      </p:par>
+    </p:tnLst>
+  </p:timing>
 </p:sld>
 </file>
 
@@ -8116,6 +8172,13 @@
   <p:clrMapOvr>
     <a:masterClrMapping/>
   </p:clrMapOvr>
+  <p:timing>
+    <p:tnLst>
+      <p:par>
+        <p:cTn id="1" dur="indefinite" restart="never" nodeType="tmRoot"/>
+      </p:par>
+    </p:tnLst>
+  </p:timing>
 </p:sld>
 </file>
 
@@ -8320,6 +8383,13 @@
   <p:clrMapOvr>
     <a:masterClrMapping/>
   </p:clrMapOvr>
+  <p:timing>
+    <p:tnLst>
+      <p:par>
+        <p:cTn id="1" dur="indefinite" restart="never" nodeType="tmRoot"/>
+      </p:par>
+    </p:tnLst>
+  </p:timing>
 </p:sld>
 </file>
 
@@ -8529,6 +8599,13 @@
   <p:clrMapOvr>
     <a:masterClrMapping/>
   </p:clrMapOvr>
+  <p:timing>
+    <p:tnLst>
+      <p:par>
+        <p:cTn id="1" dur="indefinite" restart="never" nodeType="tmRoot"/>
+      </p:par>
+    </p:tnLst>
+  </p:timing>
 </p:sld>
 </file>
 
@@ -8674,39 +8751,8 @@
                   <a:schemeClr val="bg1"/>
                 </a:solidFill>
               </a:rPr>
-              <a:t>interpretation</a:t>
-            </a:r>
-            <a:r>
-              <a:rPr lang="en-US" sz="3600" b="1" i="1" dirty="0">
-                <a:solidFill>
-                  <a:schemeClr val="bg1"/>
-                </a:solidFill>
-              </a:rPr>
-              <a:t>.</a:t>
-            </a:r>
-            <a:r>
-              <a:rPr lang="en-US" sz="3600" b="1" i="1" dirty="0" smtClean="0">
-                <a:solidFill>
-                  <a:schemeClr val="bg1"/>
-                </a:solidFill>
-              </a:rPr>
-              <a:t> </a:t>
-            </a:r>
-            <a:r>
-              <a:rPr lang="en-US" sz="3600" b="1" i="1" dirty="0">
-                <a:solidFill>
-                  <a:schemeClr val="bg1"/>
-                </a:solidFill>
-              </a:rPr>
-              <a:t/>
-            </a:r>
-            <a:br>
-              <a:rPr lang="en-US" sz="3600" b="1" i="1" dirty="0">
-                <a:solidFill>
-                  <a:schemeClr val="bg1"/>
-                </a:solidFill>
-              </a:rPr>
-            </a:br>
+              <a:t>interpretation. </a:t>
+            </a:r>
             <a:endParaRPr lang="en-US" sz="3600" b="1" i="1" dirty="0">
               <a:solidFill>
                 <a:schemeClr val="bg1"/>
@@ -8757,6 +8803,13 @@
   <p:clrMapOvr>
     <a:masterClrMapping/>
   </p:clrMapOvr>
+  <p:timing>
+    <p:tnLst>
+      <p:par>
+        <p:cTn id="1" dur="indefinite" restart="never" nodeType="tmRoot"/>
+      </p:par>
+    </p:tnLst>
+  </p:timing>
 </p:sld>
 </file>
 
@@ -8872,6 +8925,13 @@
   <p:clrMapOvr>
     <a:masterClrMapping/>
   </p:clrMapOvr>
+  <p:timing>
+    <p:tnLst>
+      <p:par>
+        <p:cTn id="1" dur="indefinite" restart="never" nodeType="tmRoot"/>
+      </p:par>
+    </p:tnLst>
+  </p:timing>
 </p:sld>
 </file>
 
@@ -8961,6 +9021,13 @@
   <p:clrMapOvr>
     <a:masterClrMapping/>
   </p:clrMapOvr>
+  <p:timing>
+    <p:tnLst>
+      <p:par>
+        <p:cTn id="1" dur="indefinite" restart="never" nodeType="tmRoot"/>
+      </p:par>
+    </p:tnLst>
+  </p:timing>
 </p:sld>
 </file>
 
@@ -9055,6 +9122,13 @@
   <p:clrMapOvr>
     <a:masterClrMapping/>
   </p:clrMapOvr>
+  <p:timing>
+    <p:tnLst>
+      <p:par>
+        <p:cTn id="1" dur="indefinite" restart="never" nodeType="tmRoot"/>
+      </p:par>
+    </p:tnLst>
+  </p:timing>
 </p:sld>
 </file>
 
@@ -9161,6 +9235,13 @@
   <p:clrMapOvr>
     <a:masterClrMapping/>
   </p:clrMapOvr>
+  <p:timing>
+    <p:tnLst>
+      <p:par>
+        <p:cTn id="1" dur="indefinite" restart="never" nodeType="tmRoot"/>
+      </p:par>
+    </p:tnLst>
+  </p:timing>
 </p:sld>
 </file>
 
@@ -9305,6 +9386,13 @@
   <p:clrMapOvr>
     <a:masterClrMapping/>
   </p:clrMapOvr>
+  <p:timing>
+    <p:tnLst>
+      <p:par>
+        <p:cTn id="1" dur="indefinite" restart="never" nodeType="tmRoot"/>
+      </p:par>
+    </p:tnLst>
+  </p:timing>
 </p:sld>
 </file>
 
@@ -9464,6 +9552,13 @@
   <p:clrMapOvr>
     <a:masterClrMapping/>
   </p:clrMapOvr>
+  <p:timing>
+    <p:tnLst>
+      <p:par>
+        <p:cTn id="1" dur="indefinite" restart="never" nodeType="tmRoot"/>
+      </p:par>
+    </p:tnLst>
+  </p:timing>
 </p:sld>
 </file>
 
@@ -9562,6 +9657,13 @@
   <p:clrMapOvr>
     <a:masterClrMapping/>
   </p:clrMapOvr>
+  <p:timing>
+    <p:tnLst>
+      <p:par>
+        <p:cTn id="1" dur="indefinite" restart="never" nodeType="tmRoot"/>
+      </p:par>
+    </p:tnLst>
+  </p:timing>
 </p:sld>
 </file>
 
@@ -9898,6 +10000,13 @@
   <p:clrMapOvr>
     <a:masterClrMapping/>
   </p:clrMapOvr>
+  <p:timing>
+    <p:tnLst>
+      <p:par>
+        <p:cTn id="1" dur="indefinite" restart="never" nodeType="tmRoot"/>
+      </p:par>
+    </p:tnLst>
+  </p:timing>
 </p:sld>
 </file>
 
@@ -10102,6 +10211,13 @@
   <p:clrMapOvr>
     <a:masterClrMapping/>
   </p:clrMapOvr>
+  <p:timing>
+    <p:tnLst>
+      <p:par>
+        <p:cTn id="1" dur="indefinite" restart="never" nodeType="tmRoot"/>
+      </p:par>
+    </p:tnLst>
+  </p:timing>
 </p:sld>
 </file>
 
@@ -10403,6 +10519,13 @@
   <p:clrMapOvr>
     <a:masterClrMapping/>
   </p:clrMapOvr>
+  <p:timing>
+    <p:tnLst>
+      <p:par>
+        <p:cTn id="1" dur="indefinite" restart="never" nodeType="tmRoot"/>
+      </p:par>
+    </p:tnLst>
+  </p:timing>
 </p:sld>
 </file>
 
@@ -10675,6 +10798,13 @@
   <p:clrMapOvr>
     <a:masterClrMapping/>
   </p:clrMapOvr>
+  <p:timing>
+    <p:tnLst>
+      <p:par>
+        <p:cTn id="1" dur="indefinite" restart="never" nodeType="tmRoot"/>
+      </p:par>
+    </p:tnLst>
+  </p:timing>
 </p:sld>
 </file>
 
@@ -10891,6 +11021,13 @@
   <p:clrMapOvr>
     <a:masterClrMapping/>
   </p:clrMapOvr>
+  <p:timing>
+    <p:tnLst>
+      <p:par>
+        <p:cTn id="1" dur="indefinite" restart="never" nodeType="tmRoot"/>
+      </p:par>
+    </p:tnLst>
+  </p:timing>
 </p:sld>
 </file>
 
@@ -11155,6 +11292,13 @@
   <p:clrMapOvr>
     <a:masterClrMapping/>
   </p:clrMapOvr>
+  <p:timing>
+    <p:tnLst>
+      <p:par>
+        <p:cTn id="1" dur="indefinite" restart="never" nodeType="tmRoot"/>
+      </p:par>
+    </p:tnLst>
+  </p:timing>
 </p:sld>
 </file>
 
@@ -11299,6 +11443,13 @@
   <p:clrMapOvr>
     <a:masterClrMapping/>
   </p:clrMapOvr>
+  <p:timing>
+    <p:tnLst>
+      <p:par>
+        <p:cTn id="1" dur="indefinite" restart="never" nodeType="tmRoot"/>
+      </p:par>
+    </p:tnLst>
+  </p:timing>
 </p:sld>
 </file>
 
@@ -11458,6 +11609,13 @@
   <p:clrMapOvr>
     <a:masterClrMapping/>
   </p:clrMapOvr>
+  <p:timing>
+    <p:tnLst>
+      <p:par>
+        <p:cTn id="1" dur="indefinite" restart="never" nodeType="tmRoot"/>
+      </p:par>
+    </p:tnLst>
+  </p:timing>
 </p:sld>
 </file>
 
@@ -11556,6 +11714,13 @@
   <p:clrMapOvr>
     <a:masterClrMapping/>
   </p:clrMapOvr>
+  <p:timing>
+    <p:tnLst>
+      <p:par>
+        <p:cTn id="1" dur="indefinite" restart="never" nodeType="tmRoot"/>
+      </p:par>
+    </p:tnLst>
+  </p:timing>
 </p:sld>
 </file>
 
@@ -11841,6 +12006,13 @@
   <p:clrMapOvr>
     <a:masterClrMapping/>
   </p:clrMapOvr>
+  <p:timing>
+    <p:tnLst>
+      <p:par>
+        <p:cTn id="1" dur="indefinite" restart="never" nodeType="tmRoot"/>
+      </p:par>
+    </p:tnLst>
+  </p:timing>
 </p:sld>
 </file>
 
@@ -12134,6 +12306,13 @@
   <p:clrMapOvr>
     <a:masterClrMapping/>
   </p:clrMapOvr>
+  <p:timing>
+    <p:tnLst>
+      <p:par>
+        <p:cTn id="1" dur="indefinite" restart="never" nodeType="tmRoot"/>
+      </p:par>
+    </p:tnLst>
+  </p:timing>
 </p:sld>
 </file>
 
@@ -12338,6 +12517,13 @@
   <p:clrMapOvr>
     <a:masterClrMapping/>
   </p:clrMapOvr>
+  <p:timing>
+    <p:tnLst>
+      <p:par>
+        <p:cTn id="1" dur="indefinite" restart="never" nodeType="tmRoot"/>
+      </p:par>
+    </p:tnLst>
+  </p:timing>
 </p:sld>
 </file>
 
@@ -12651,6 +12837,13 @@
   <p:clrMapOvr>
     <a:masterClrMapping/>
   </p:clrMapOvr>
+  <p:timing>
+    <p:tnLst>
+      <p:par>
+        <p:cTn id="1" dur="indefinite" restart="never" nodeType="tmRoot"/>
+      </p:par>
+    </p:tnLst>
+  </p:timing>
 </p:sld>
 </file>
 
@@ -12906,6 +13099,13 @@
   <p:clrMapOvr>
     <a:masterClrMapping/>
   </p:clrMapOvr>
+  <p:timing>
+    <p:tnLst>
+      <p:par>
+        <p:cTn id="1" dur="indefinite" restart="never" nodeType="tmRoot"/>
+      </p:par>
+    </p:tnLst>
+  </p:timing>
 </p:sld>
 </file>
 
@@ -13222,6 +13422,13 @@
   <p:clrMapOvr>
     <a:masterClrMapping/>
   </p:clrMapOvr>
+  <p:timing>
+    <p:tnLst>
+      <p:par>
+        <p:cTn id="1" dur="indefinite" restart="never" nodeType="tmRoot"/>
+      </p:par>
+    </p:tnLst>
+  </p:timing>
 </p:sld>
 </file>
 
@@ -13550,6 +13757,13 @@
   <p:clrMapOvr>
     <a:masterClrMapping/>
   </p:clrMapOvr>
+  <p:timing>
+    <p:tnLst>
+      <p:par>
+        <p:cTn id="1" dur="indefinite" restart="never" nodeType="tmRoot"/>
+      </p:par>
+    </p:tnLst>
+  </p:timing>
 </p:sld>
 </file>
 
@@ -13694,6 +13908,13 @@
   <p:clrMapOvr>
     <a:masterClrMapping/>
   </p:clrMapOvr>
+  <p:timing>
+    <p:tnLst>
+      <p:par>
+        <p:cTn id="1" dur="indefinite" restart="never" nodeType="tmRoot"/>
+      </p:par>
+    </p:tnLst>
+  </p:timing>
 </p:sld>
 </file>
 
@@ -13736,14 +13957,6 @@
               <a:rPr lang="en-US" sz="3600" i="1" dirty="0"/>
               <a:t>For the formal analysis of source code to be used as verification evidence for the target system, verification should be performed to establish property preservation between source and object code. </a:t>
             </a:r>
-            <a:r>
-              <a:rPr lang="en-US" sz="3600" dirty="0"/>
-              <a:t/>
-            </a:r>
-            <a:br>
-              <a:rPr lang="en-US" sz="3600" dirty="0"/>
-            </a:br>
-            <a:endParaRPr lang="en-US" sz="3600" i="1" dirty="0"/>
           </a:p>
         </p:txBody>
       </p:sp>
@@ -13848,6 +14061,13 @@
   <p:clrMapOvr>
     <a:masterClrMapping/>
   </p:clrMapOvr>
+  <p:timing>
+    <p:tnLst>
+      <p:par>
+        <p:cTn id="1" dur="indefinite" restart="never" nodeType="tmRoot"/>
+      </p:par>
+    </p:tnLst>
+  </p:timing>
 </p:sld>
 </file>
 
@@ -14001,6 +14221,13 @@
   <p:clrMapOvr>
     <a:masterClrMapping/>
   </p:clrMapOvr>
+  <p:timing>
+    <p:tnLst>
+      <p:par>
+        <p:cTn id="1" dur="indefinite" restart="never" nodeType="tmRoot"/>
+      </p:par>
+    </p:tnLst>
+  </p:timing>
 </p:sld>
 </file>
 
@@ -14099,6 +14326,13 @@
   <p:clrMapOvr>
     <a:masterClrMapping/>
   </p:clrMapOvr>
+  <p:timing>
+    <p:tnLst>
+      <p:par>
+        <p:cTn id="1" dur="indefinite" restart="never" nodeType="tmRoot"/>
+      </p:par>
+    </p:tnLst>
+  </p:timing>
 </p:sld>
 </file>
 
@@ -14152,7 +14386,7 @@
             <p:ph idx="1"/>
             <p:extLst>
               <p:ext uri="{D42A27DB-BD31-4B8C-83A1-F6EECF244321}">
-                <p14:modId xmlns:p14="http://schemas.microsoft.com/office/powerpoint/2010/main" val="1105862987"/>
+                <p14:modId xmlns:p14="http://schemas.microsoft.com/office/powerpoint/2010/main" val="257047070"/>
               </p:ext>
             </p:extLst>
           </p:nvPr>
@@ -14219,7 +14453,15 @@
                       </a:r>
                       <a:r>
                         <a:rPr lang="en-US" sz="2800" baseline="0" dirty="0" smtClean="0"/>
-                        <a:t> generated by the compiler ensures property preservation (similar in spirit to compiler traceability study)</a:t>
+                        <a:t> generated by the compiler ensures property preservation (similar in spirit to </a:t>
+                      </a:r>
+                      <a:r>
+                        <a:rPr lang="en-US" sz="2800" baseline="0" dirty="0" smtClean="0"/>
+                        <a:t>source to object traceability </a:t>
+                      </a:r>
+                      <a:r>
+                        <a:rPr lang="en-US" sz="2800" baseline="0" dirty="0" smtClean="0"/>
+                        <a:t>study)</a:t>
                       </a:r>
                       <a:endParaRPr lang="en-US" sz="2800" dirty="0"/>
                     </a:p>
@@ -14269,7 +14511,11 @@
                     <a:p>
                       <a:r>
                         <a:rPr lang="en-US" sz="2800" baseline="0" dirty="0" smtClean="0"/>
-                        <a:t>--- weak confidence</a:t>
+                        <a:t>- </a:t>
+                      </a:r>
+                      <a:r>
+                        <a:rPr lang="en-US" sz="2800" baseline="0" dirty="0" smtClean="0"/>
+                        <a:t>weak confidence</a:t>
                       </a:r>
                       <a:endParaRPr lang="en-US" sz="2800" dirty="0"/>
                     </a:p>
@@ -14398,6 +14644,13 @@
   <p:clrMapOvr>
     <a:masterClrMapping/>
   </p:clrMapOvr>
+  <p:timing>
+    <p:tnLst>
+      <p:par>
+        <p:cTn id="1" dur="indefinite" restart="never" nodeType="tmRoot"/>
+      </p:par>
+    </p:tnLst>
+  </p:timing>
 </p:sld>
 </file>
 
@@ -14697,6 +14950,13 @@
   <p:clrMapOvr>
     <a:masterClrMapping/>
   </p:clrMapOvr>
+  <p:timing>
+    <p:tnLst>
+      <p:par>
+        <p:cTn id="1" dur="indefinite" restart="never" nodeType="tmRoot"/>
+      </p:par>
+    </p:tnLst>
+  </p:timing>
 </p:sld>
 </file>
 
@@ -14991,6 +15251,13 @@
   <p:clrMapOvr>
     <a:masterClrMapping/>
   </p:clrMapOvr>
+  <p:timing>
+    <p:tnLst>
+      <p:par>
+        <p:cTn id="1" dur="indefinite" restart="never" nodeType="tmRoot"/>
+      </p:par>
+    </p:tnLst>
+  </p:timing>
 </p:sld>
 </file>
 
@@ -15352,6 +15619,13 @@
   <p:clrMapOvr>
     <a:masterClrMapping/>
   </p:clrMapOvr>
+  <p:timing>
+    <p:tnLst>
+      <p:par>
+        <p:cTn id="1" dur="indefinite" restart="never" nodeType="tmRoot"/>
+      </p:par>
+    </p:tnLst>
+  </p:timing>
 </p:sld>
 </file>
 
@@ -15481,13 +15755,8 @@
             </a:pPr>
             <a:r>
               <a:rPr lang="en-US" dirty="0" smtClean="0"/>
-              <a:t>Demonstrate absence of unintended dependencies between inputs and </a:t>
-            </a:r>
-            <a:r>
-              <a:rPr lang="en-US" dirty="0" smtClean="0"/>
-              <a:t>outputs (whether specified inputs/outputs or not)</a:t>
-            </a:r>
-            <a:endParaRPr lang="en-US" dirty="0" smtClean="0"/>
+              <a:t>Demonstrate absence of unintended dependencies between inputs and outputs (whether specified inputs/outputs or not)</a:t>
+            </a:r>
           </a:p>
           <a:p>
             <a:pPr marL="0" marR="0" lvl="0" indent="0" defTabSz="914400" eaLnBrk="1" fontAlgn="auto" latinLnBrk="0" hangingPunct="1">
@@ -15720,6 +15989,13 @@
   <p:clrMapOvr>
     <a:masterClrMapping/>
   </p:clrMapOvr>
+  <p:timing>
+    <p:tnLst>
+      <p:par>
+        <p:cTn id="1" dur="indefinite" restart="never" nodeType="tmRoot"/>
+      </p:par>
+    </p:tnLst>
+  </p:timing>
 </p:sld>
 </file>
 
@@ -16161,6 +16437,13 @@
   <p:clrMapOvr>
     <a:masterClrMapping/>
   </p:clrMapOvr>
+  <p:timing>
+    <p:tnLst>
+      <p:par>
+        <p:cTn id="1" dur="indefinite" restart="never" nodeType="tmRoot"/>
+      </p:par>
+    </p:tnLst>
+  </p:timing>
 </p:sld>
 </file>
 
@@ -16217,7 +16500,7 @@
         <p:spPr/>
         <p:txBody>
           <a:bodyPr>
-            <a:normAutofit/>
+            <a:normAutofit lnSpcReduction="10000"/>
           </a:bodyPr>
           <a:lstStyle/>
           <a:p>
@@ -16346,9 +16629,30 @@
               <a:buNone/>
             </a:pPr>
             <a:r>
-              <a:rPr lang="en-US" dirty="0" smtClean="0"/>
-              <a:t>No problems with (1)</a:t>
-            </a:r>
+              <a:rPr lang="en-US" dirty="0"/>
+              <a:t>L</a:t>
+            </a:r>
+            <a:r>
+              <a:rPr lang="en-US" dirty="0" smtClean="0"/>
+              <a:t>ess</a:t>
+            </a:r>
+            <a:r>
+              <a:rPr lang="en-US" dirty="0" smtClean="0"/>
+              <a:t> </a:t>
+            </a:r>
+            <a:r>
+              <a:rPr lang="en-US" dirty="0" smtClean="0"/>
+              <a:t>problems with (1</a:t>
+            </a:r>
+            <a:r>
+              <a:rPr lang="en-US" dirty="0" smtClean="0"/>
+              <a:t>), can be addressed by statement coverage of integration testing + review </a:t>
+            </a:r>
+            <a:r>
+              <a:rPr lang="en-US" smtClean="0"/>
+              <a:t>of uncovered code</a:t>
+            </a:r>
+            <a:endParaRPr lang="en-US" dirty="0" smtClean="0"/>
           </a:p>
           <a:p>
             <a:pPr marL="0" indent="0">
@@ -16529,6 +16833,13 @@
   <p:clrMapOvr>
     <a:masterClrMapping/>
   </p:clrMapOvr>
+  <p:timing>
+    <p:tnLst>
+      <p:par>
+        <p:cTn id="1" dur="indefinite" restart="never" nodeType="tmRoot"/>
+      </p:par>
+    </p:tnLst>
+  </p:timing>
 </p:sld>
 </file>
 
@@ -16650,6 +16961,13 @@
   <p:clrMapOvr>
     <a:masterClrMapping/>
   </p:clrMapOvr>
+  <p:timing>
+    <p:tnLst>
+      <p:par>
+        <p:cTn id="1" dur="indefinite" restart="never" nodeType="tmRoot"/>
+      </p:par>
+    </p:tnLst>
+  </p:timing>
 </p:sld>
 </file>
 
@@ -16936,6 +17254,13 @@
   <p:clrMapOvr>
     <a:masterClrMapping/>
   </p:clrMapOvr>
+  <p:timing>
+    <p:tnLst>
+      <p:par>
+        <p:cTn id="1" dur="indefinite" restart="never" nodeType="tmRoot"/>
+      </p:par>
+    </p:tnLst>
+  </p:timing>
 </p:sld>
 </file>
 
@@ -17238,6 +17563,13 @@
   <p:clrMapOvr>
     <a:masterClrMapping/>
   </p:clrMapOvr>
+  <p:timing>
+    <p:tnLst>
+      <p:par>
+        <p:cTn id="1" dur="indefinite" restart="never" nodeType="tmRoot"/>
+      </p:par>
+    </p:tnLst>
+  </p:timing>
 </p:sld>
 </file>
 
@@ -17532,6 +17864,13 @@
   <p:clrMapOvr>
     <a:masterClrMapping/>
   </p:clrMapOvr>
+  <p:timing>
+    <p:tnLst>
+      <p:par>
+        <p:cTn id="1" dur="indefinite" restart="never" nodeType="tmRoot"/>
+      </p:par>
+    </p:tnLst>
+  </p:timing>
 </p:sld>
 </file>
 
@@ -17876,6 +18215,13 @@
   <p:clrMapOvr>
     <a:masterClrMapping/>
   </p:clrMapOvr>
+  <p:timing>
+    <p:tnLst>
+      <p:par>
+        <p:cTn id="1" dur="indefinite" restart="never" nodeType="tmRoot"/>
+      </p:par>
+    </p:tnLst>
+  </p:timing>
 </p:sld>
 </file>
 
@@ -17935,7 +18281,7 @@
                   <a:schemeClr val="bg1"/>
                 </a:solidFill>
               </a:rPr>
-              <a:t>tool qualification </a:t>
+              <a:t>tool qualification</a:t>
             </a:r>
             <a:r>
               <a:rPr lang="en-US" sz="3200" b="1" i="1" dirty="0">
@@ -17943,7 +18289,7 @@
                   <a:schemeClr val="bg1"/>
                 </a:solidFill>
               </a:rPr>
-              <a:t>guidance required by DO-178 and qualified where necessary. </a:t>
+              <a:t> guidance required by DO-178 and qualified where necessary. </a:t>
             </a:r>
           </a:p>
         </p:txBody>
@@ -17990,6 +18336,13 @@
   <p:clrMapOvr>
     <a:masterClrMapping/>
   </p:clrMapOvr>
+  <p:timing>
+    <p:tnLst>
+      <p:par>
+        <p:cTn id="1" dur="indefinite" restart="never" nodeType="tmRoot"/>
+      </p:par>
+    </p:tnLst>
+  </p:timing>
 </p:sld>
 </file>
 
@@ -18143,7 +18496,15 @@
             </a:pPr>
             <a:r>
               <a:rPr lang="en-US" dirty="0" smtClean="0"/>
-              <a:t>SPARK qualification planned for 2018</a:t>
+              <a:t>SPARK qualification planned </a:t>
+            </a:r>
+            <a:r>
+              <a:rPr lang="en-US" dirty="0" smtClean="0"/>
+              <a:t>for </a:t>
+            </a:r>
+            <a:r>
+              <a:rPr lang="en-US" dirty="0" smtClean="0"/>
+              <a:t>2018</a:t>
             </a:r>
           </a:p>
         </p:txBody>
@@ -18158,6 +18519,13 @@
   <p:clrMapOvr>
     <a:masterClrMapping/>
   </p:clrMapOvr>
+  <p:timing>
+    <p:tnLst>
+      <p:par>
+        <p:cTn id="1" dur="indefinite" restart="never" nodeType="tmRoot"/>
+      </p:par>
+    </p:tnLst>
+  </p:timing>
 </p:sld>
 </file>
 
@@ -19930,6 +20298,13 @@
   <p:clrMapOvr>
     <a:masterClrMapping/>
   </p:clrMapOvr>
+  <p:timing>
+    <p:tnLst>
+      <p:par>
+        <p:cTn id="1" dur="indefinite" restart="never" nodeType="tmRoot"/>
+      </p:par>
+    </p:tnLst>
+  </p:timing>
 </p:sld>
 </file>
 
@@ -20371,6 +20746,13 @@
   <p:clrMapOvr>
     <a:masterClrMapping/>
   </p:clrMapOvr>
+  <p:timing>
+    <p:tnLst>
+      <p:par>
+        <p:cTn id="1" dur="indefinite" restart="never" nodeType="tmRoot"/>
+      </p:par>
+    </p:tnLst>
+  </p:timing>
 </p:sld>
 </file>
 
@@ -20858,6 +21240,13 @@
   <p:clrMapOvr>
     <a:masterClrMapping/>
   </p:clrMapOvr>
+  <p:timing>
+    <p:tnLst>
+      <p:par>
+        <p:cTn id="1" dur="indefinite" restart="never" nodeType="tmRoot"/>
+      </p:par>
+    </p:tnLst>
+  </p:timing>
 </p:sld>
 </file>
 
@@ -21483,6 +21872,13 @@
   <p:clrMapOvr>
     <a:masterClrMapping/>
   </p:clrMapOvr>
+  <p:timing>
+    <p:tnLst>
+      <p:par>
+        <p:cTn id="1" dur="indefinite" restart="never" nodeType="tmRoot"/>
+      </p:par>
+    </p:tnLst>
+  </p:timing>
 </p:sld>
 </file>
 
@@ -21719,6 +22115,13 @@
   <p:clrMapOvr>
     <a:masterClrMapping/>
   </p:clrMapOvr>
+  <p:timing>
+    <p:tnLst>
+      <p:par>
+        <p:cTn id="1" dur="indefinite" restart="never" nodeType="tmRoot"/>
+      </p:par>
+    </p:tnLst>
+  </p:timing>
 </p:sld>
 </file>
 
@@ -22307,6 +22710,13 @@
   <p:clrMapOvr>
     <a:masterClrMapping/>
   </p:clrMapOvr>
+  <p:timing>
+    <p:tnLst>
+      <p:par>
+        <p:cTn id="1" dur="indefinite" restart="never" nodeType="tmRoot"/>
+      </p:par>
+    </p:tnLst>
+  </p:timing>
 </p:sld>
 </file>
 
